--- a/ml-subjects/Reinforcement Learning.pptx
+++ b/ml-subjects/Reinforcement Learning.pptx
@@ -4309,19 +4309,7 @@
           <a:p>
             <a:r>
               <a:rPr lang="it-IT" dirty="0" smtClean="0"/>
-              <a:t>I do not know a </a:t>
-            </a:r>
-            <a:r>
-              <a:rPr lang="it-IT" dirty="0" smtClean="0"/>
-              <a:t>lot </a:t>
-            </a:r>
-            <a:r>
-              <a:rPr lang="it-IT" dirty="0" smtClean="0"/>
-              <a:t>about </a:t>
-            </a:r>
-            <a:r>
-              <a:rPr lang="it-IT" dirty="0" smtClean="0"/>
-              <a:t>EA+RL</a:t>
+              <a:t>I do not know a lot about EA+RL</a:t>
             </a:r>
           </a:p>
           <a:p>
